--- a/FaultInjectorPresentation.pptx
+++ b/FaultInjectorPresentation.pptx
@@ -108,6 +108,22 @@
       </a:defRPr>
     </a:lvl9pPr>
   </p:defaultTextStyle>
+  <p:extLst>
+    <p:ext uri="{EFAFB233-063F-42B5-8137-9DF3F51BA10A}">
+      <p15:sldGuideLst xmlns:p15="http://schemas.microsoft.com/office/powerpoint/2012/main">
+        <p15:guide id="1" orient="horz" pos="2160">
+          <p15:clr>
+            <a:srgbClr val="A4A3A4"/>
+          </p15:clr>
+        </p15:guide>
+        <p15:guide id="2" pos="2880">
+          <p15:clr>
+            <a:srgbClr val="A4A3A4"/>
+          </p15:clr>
+        </p15:guide>
+      </p15:sldGuideLst>
+    </p:ext>
+  </p:extLst>
 </p:presentation>
 </file>
 
@@ -158,10 +174,9 @@
           </a:lstStyle>
           <a:p>
             <a:r>
-              <a:rPr kumimoji="0" lang="en-US" smtClean="0"/>
+              <a:rPr kumimoji="0" lang="en-US"/>
               <a:t>Click to edit Master title style</a:t>
             </a:r>
-            <a:endParaRPr kumimoji="0" lang="en-US"/>
           </a:p>
         </p:txBody>
       </p:sp>
@@ -219,10 +234,9 @@
           </a:lstStyle>
           <a:p>
             <a:r>
-              <a:rPr kumimoji="0" lang="en-US" smtClean="0"/>
+              <a:rPr kumimoji="0" lang="en-US"/>
               <a:t>Click to edit Master subtitle style</a:t>
             </a:r>
-            <a:endParaRPr kumimoji="0" lang="en-US"/>
           </a:p>
         </p:txBody>
       </p:sp>
@@ -1043,10 +1057,9 @@
           <a:lstStyle/>
           <a:p>
             <a:r>
-              <a:rPr kumimoji="0" lang="en-US" smtClean="0"/>
+              <a:rPr kumimoji="0" lang="en-US"/>
               <a:t>Click to edit Master title style</a:t>
             </a:r>
-            <a:endParaRPr kumimoji="0" lang="en-US"/>
           </a:p>
         </p:txBody>
       </p:sp>
@@ -1067,35 +1080,35 @@
           <a:p>
             <a:pPr lvl="0" eaLnBrk="1" latinLnBrk="0" hangingPunct="1"/>
             <a:r>
-              <a:rPr lang="en-US" smtClean="0"/>
+              <a:rPr lang="en-US"/>
               <a:t>Click to edit Master text styles</a:t>
             </a:r>
           </a:p>
           <a:p>
             <a:pPr lvl="1" eaLnBrk="1" latinLnBrk="0" hangingPunct="1"/>
             <a:r>
-              <a:rPr lang="en-US" smtClean="0"/>
+              <a:rPr lang="en-US"/>
               <a:t>Second level</a:t>
             </a:r>
           </a:p>
           <a:p>
             <a:pPr lvl="2" eaLnBrk="1" latinLnBrk="0" hangingPunct="1"/>
             <a:r>
-              <a:rPr lang="en-US" smtClean="0"/>
+              <a:rPr lang="en-US"/>
               <a:t>Third level</a:t>
             </a:r>
           </a:p>
           <a:p>
             <a:pPr lvl="3" eaLnBrk="1" latinLnBrk="0" hangingPunct="1"/>
             <a:r>
-              <a:rPr lang="en-US" smtClean="0"/>
+              <a:rPr lang="en-US"/>
               <a:t>Fourth level</a:t>
             </a:r>
           </a:p>
           <a:p>
             <a:pPr lvl="4" eaLnBrk="1" latinLnBrk="0" hangingPunct="1"/>
             <a:r>
-              <a:rPr lang="en-US" smtClean="0"/>
+              <a:rPr lang="en-US"/>
               <a:t>Fifth level</a:t>
             </a:r>
             <a:endParaRPr kumimoji="0" lang="en-US"/>
@@ -1215,10 +1228,9 @@
           <a:lstStyle/>
           <a:p>
             <a:r>
-              <a:rPr kumimoji="0" lang="en-US" smtClean="0"/>
+              <a:rPr kumimoji="0" lang="en-US"/>
               <a:t>Click to edit Master title style</a:t>
             </a:r>
-            <a:endParaRPr kumimoji="0" lang="en-US"/>
           </a:p>
         </p:txBody>
       </p:sp>
@@ -1244,35 +1256,35 @@
           <a:p>
             <a:pPr lvl="0" eaLnBrk="1" latinLnBrk="0" hangingPunct="1"/>
             <a:r>
-              <a:rPr lang="en-US" smtClean="0"/>
+              <a:rPr lang="en-US"/>
               <a:t>Click to edit Master text styles</a:t>
             </a:r>
           </a:p>
           <a:p>
             <a:pPr lvl="1" eaLnBrk="1" latinLnBrk="0" hangingPunct="1"/>
             <a:r>
-              <a:rPr lang="en-US" smtClean="0"/>
+              <a:rPr lang="en-US"/>
               <a:t>Second level</a:t>
             </a:r>
           </a:p>
           <a:p>
             <a:pPr lvl="2" eaLnBrk="1" latinLnBrk="0" hangingPunct="1"/>
             <a:r>
-              <a:rPr lang="en-US" smtClean="0"/>
+              <a:rPr lang="en-US"/>
               <a:t>Third level</a:t>
             </a:r>
           </a:p>
           <a:p>
             <a:pPr lvl="3" eaLnBrk="1" latinLnBrk="0" hangingPunct="1"/>
             <a:r>
-              <a:rPr lang="en-US" smtClean="0"/>
+              <a:rPr lang="en-US"/>
               <a:t>Fourth level</a:t>
             </a:r>
           </a:p>
           <a:p>
             <a:pPr lvl="4" eaLnBrk="1" latinLnBrk="0" hangingPunct="1"/>
             <a:r>
-              <a:rPr lang="en-US" smtClean="0"/>
+              <a:rPr lang="en-US"/>
               <a:t>Fifth level</a:t>
             </a:r>
             <a:endParaRPr kumimoji="0" lang="en-US"/>
@@ -1387,10 +1399,9 @@
           <a:lstStyle/>
           <a:p>
             <a:r>
-              <a:rPr kumimoji="0" lang="en-US" smtClean="0"/>
+              <a:rPr kumimoji="0" lang="en-US"/>
               <a:t>Click to edit Master title style</a:t>
             </a:r>
-            <a:endParaRPr kumimoji="0" lang="en-US"/>
           </a:p>
         </p:txBody>
       </p:sp>
@@ -1416,35 +1427,35 @@
           <a:p>
             <a:pPr lvl="0" eaLnBrk="1" latinLnBrk="0" hangingPunct="1"/>
             <a:r>
-              <a:rPr lang="en-US" smtClean="0"/>
+              <a:rPr lang="en-US"/>
               <a:t>Click to edit Master text styles</a:t>
             </a:r>
           </a:p>
           <a:p>
             <a:pPr lvl="1" eaLnBrk="1" latinLnBrk="0" hangingPunct="1"/>
             <a:r>
-              <a:rPr lang="en-US" smtClean="0"/>
+              <a:rPr lang="en-US"/>
               <a:t>Second level</a:t>
             </a:r>
           </a:p>
           <a:p>
             <a:pPr lvl="2" eaLnBrk="1" latinLnBrk="0" hangingPunct="1"/>
             <a:r>
-              <a:rPr lang="en-US" smtClean="0"/>
+              <a:rPr lang="en-US"/>
               <a:t>Third level</a:t>
             </a:r>
           </a:p>
           <a:p>
             <a:pPr lvl="3" eaLnBrk="1" latinLnBrk="0" hangingPunct="1"/>
             <a:r>
-              <a:rPr lang="en-US" smtClean="0"/>
+              <a:rPr lang="en-US"/>
               <a:t>Fourth level</a:t>
             </a:r>
           </a:p>
           <a:p>
             <a:pPr lvl="4" eaLnBrk="1" latinLnBrk="0" hangingPunct="1"/>
             <a:r>
-              <a:rPr lang="en-US" smtClean="0"/>
+              <a:rPr lang="en-US"/>
               <a:t>Fifth level</a:t>
             </a:r>
             <a:endParaRPr kumimoji="0" lang="en-US"/>
@@ -1574,10 +1585,9 @@
           </a:lstStyle>
           <a:p>
             <a:r>
-              <a:rPr kumimoji="0" lang="en-US" smtClean="0"/>
+              <a:rPr kumimoji="0" lang="en-US"/>
               <a:t>Click to edit Master title style</a:t>
             </a:r>
-            <a:endParaRPr kumimoji="0" lang="en-US"/>
           </a:p>
         </p:txBody>
       </p:sp>
@@ -1652,7 +1662,7 @@
           <a:p>
             <a:pPr lvl="0" eaLnBrk="1" latinLnBrk="0" hangingPunct="1"/>
             <a:r>
-              <a:rPr kumimoji="0" lang="en-US" smtClean="0"/>
+              <a:rPr kumimoji="0" lang="en-US"/>
               <a:t>Click to edit Master text styles</a:t>
             </a:r>
           </a:p>
@@ -2472,10 +2482,9 @@
           <a:lstStyle/>
           <a:p>
             <a:r>
-              <a:rPr kumimoji="0" lang="en-US" smtClean="0"/>
+              <a:rPr kumimoji="0" lang="en-US"/>
               <a:t>Click to edit Master title style</a:t>
             </a:r>
-            <a:endParaRPr kumimoji="0" lang="en-US"/>
           </a:p>
         </p:txBody>
       </p:sp>
@@ -2568,35 +2577,35 @@
           <a:p>
             <a:pPr lvl="0" eaLnBrk="1" latinLnBrk="0" hangingPunct="1"/>
             <a:r>
-              <a:rPr lang="en-US" smtClean="0"/>
+              <a:rPr lang="en-US"/>
               <a:t>Click to edit Master text styles</a:t>
             </a:r>
           </a:p>
           <a:p>
             <a:pPr lvl="1" eaLnBrk="1" latinLnBrk="0" hangingPunct="1"/>
             <a:r>
-              <a:rPr lang="en-US" smtClean="0"/>
+              <a:rPr lang="en-US"/>
               <a:t>Second level</a:t>
             </a:r>
           </a:p>
           <a:p>
             <a:pPr lvl="2" eaLnBrk="1" latinLnBrk="0" hangingPunct="1"/>
             <a:r>
-              <a:rPr lang="en-US" smtClean="0"/>
+              <a:rPr lang="en-US"/>
               <a:t>Third level</a:t>
             </a:r>
           </a:p>
           <a:p>
             <a:pPr lvl="3" eaLnBrk="1" latinLnBrk="0" hangingPunct="1"/>
             <a:r>
-              <a:rPr lang="en-US" smtClean="0"/>
+              <a:rPr lang="en-US"/>
               <a:t>Fourth level</a:t>
             </a:r>
           </a:p>
           <a:p>
             <a:pPr lvl="4" eaLnBrk="1" latinLnBrk="0" hangingPunct="1"/>
             <a:r>
-              <a:rPr lang="en-US" smtClean="0"/>
+              <a:rPr lang="en-US"/>
               <a:t>Fifth level</a:t>
             </a:r>
             <a:endParaRPr kumimoji="0" lang="en-US"/>
@@ -2625,35 +2634,35 @@
           <a:p>
             <a:pPr lvl="0" eaLnBrk="1" latinLnBrk="0" hangingPunct="1"/>
             <a:r>
-              <a:rPr lang="en-US" smtClean="0"/>
+              <a:rPr lang="en-US"/>
               <a:t>Click to edit Master text styles</a:t>
             </a:r>
           </a:p>
           <a:p>
             <a:pPr lvl="1" eaLnBrk="1" latinLnBrk="0" hangingPunct="1"/>
             <a:r>
-              <a:rPr lang="en-US" smtClean="0"/>
+              <a:rPr lang="en-US"/>
               <a:t>Second level</a:t>
             </a:r>
           </a:p>
           <a:p>
             <a:pPr lvl="2" eaLnBrk="1" latinLnBrk="0" hangingPunct="1"/>
             <a:r>
-              <a:rPr lang="en-US" smtClean="0"/>
+              <a:rPr lang="en-US"/>
               <a:t>Third level</a:t>
             </a:r>
           </a:p>
           <a:p>
             <a:pPr lvl="3" eaLnBrk="1" latinLnBrk="0" hangingPunct="1"/>
             <a:r>
-              <a:rPr lang="en-US" smtClean="0"/>
+              <a:rPr lang="en-US"/>
               <a:t>Fourth level</a:t>
             </a:r>
           </a:p>
           <a:p>
             <a:pPr lvl="4" eaLnBrk="1" latinLnBrk="0" hangingPunct="1"/>
             <a:r>
-              <a:rPr lang="en-US" smtClean="0"/>
+              <a:rPr lang="en-US"/>
               <a:t>Fifth level</a:t>
             </a:r>
             <a:endParaRPr kumimoji="0" lang="en-US"/>
@@ -2710,10 +2719,9 @@
           </a:lstStyle>
           <a:p>
             <a:r>
-              <a:rPr kumimoji="0" lang="en-US" smtClean="0"/>
+              <a:rPr kumimoji="0" lang="en-US"/>
               <a:t>Click to edit Master title style</a:t>
             </a:r>
-            <a:endParaRPr kumimoji="0" lang="en-US"/>
           </a:p>
         </p:txBody>
       </p:sp>
@@ -2806,35 +2814,35 @@
           <a:p>
             <a:pPr lvl="0" eaLnBrk="1" latinLnBrk="0" hangingPunct="1"/>
             <a:r>
-              <a:rPr lang="en-US" smtClean="0"/>
+              <a:rPr lang="en-US"/>
               <a:t>Click to edit Master text styles</a:t>
             </a:r>
           </a:p>
           <a:p>
             <a:pPr lvl="1" eaLnBrk="1" latinLnBrk="0" hangingPunct="1"/>
             <a:r>
-              <a:rPr lang="en-US" smtClean="0"/>
+              <a:rPr lang="en-US"/>
               <a:t>Second level</a:t>
             </a:r>
           </a:p>
           <a:p>
             <a:pPr lvl="2" eaLnBrk="1" latinLnBrk="0" hangingPunct="1"/>
             <a:r>
-              <a:rPr lang="en-US" smtClean="0"/>
+              <a:rPr lang="en-US"/>
               <a:t>Third level</a:t>
             </a:r>
           </a:p>
           <a:p>
             <a:pPr lvl="3" eaLnBrk="1" latinLnBrk="0" hangingPunct="1"/>
             <a:r>
-              <a:rPr lang="en-US" smtClean="0"/>
+              <a:rPr lang="en-US"/>
               <a:t>Fourth level</a:t>
             </a:r>
           </a:p>
           <a:p>
             <a:pPr lvl="4" eaLnBrk="1" latinLnBrk="0" hangingPunct="1"/>
             <a:r>
-              <a:rPr lang="en-US" smtClean="0"/>
+              <a:rPr lang="en-US"/>
               <a:t>Fifth level</a:t>
             </a:r>
             <a:endParaRPr kumimoji="0" lang="en-US"/>
@@ -2863,35 +2871,35 @@
           <a:p>
             <a:pPr lvl="0" eaLnBrk="1" latinLnBrk="0" hangingPunct="1"/>
             <a:r>
-              <a:rPr lang="en-US" smtClean="0"/>
+              <a:rPr lang="en-US"/>
               <a:t>Click to edit Master text styles</a:t>
             </a:r>
           </a:p>
           <a:p>
             <a:pPr lvl="1" eaLnBrk="1" latinLnBrk="0" hangingPunct="1"/>
             <a:r>
-              <a:rPr lang="en-US" smtClean="0"/>
+              <a:rPr lang="en-US"/>
               <a:t>Second level</a:t>
             </a:r>
           </a:p>
           <a:p>
             <a:pPr lvl="2" eaLnBrk="1" latinLnBrk="0" hangingPunct="1"/>
             <a:r>
-              <a:rPr lang="en-US" smtClean="0"/>
+              <a:rPr lang="en-US"/>
               <a:t>Third level</a:t>
             </a:r>
           </a:p>
           <a:p>
             <a:pPr lvl="3" eaLnBrk="1" latinLnBrk="0" hangingPunct="1"/>
             <a:r>
-              <a:rPr lang="en-US" smtClean="0"/>
+              <a:rPr lang="en-US"/>
               <a:t>Fourth level</a:t>
             </a:r>
           </a:p>
           <a:p>
             <a:pPr lvl="4" eaLnBrk="1" latinLnBrk="0" hangingPunct="1"/>
             <a:r>
-              <a:rPr lang="en-US" smtClean="0"/>
+              <a:rPr lang="en-US"/>
               <a:t>Fifth level</a:t>
             </a:r>
             <a:endParaRPr kumimoji="0" lang="en-US"/>
@@ -2940,7 +2948,7 @@
           <a:p>
             <a:pPr lvl="0" eaLnBrk="1" latinLnBrk="0" hangingPunct="1"/>
             <a:r>
-              <a:rPr kumimoji="0" lang="en-US" smtClean="0"/>
+              <a:rPr kumimoji="0" lang="en-US"/>
               <a:t>Click to edit Master text styles</a:t>
             </a:r>
           </a:p>
@@ -2988,7 +2996,7 @@
           <a:p>
             <a:pPr lvl="0" eaLnBrk="1" latinLnBrk="0" hangingPunct="1"/>
             <a:r>
-              <a:rPr kumimoji="0" lang="en-US" smtClean="0"/>
+              <a:rPr kumimoji="0" lang="en-US"/>
               <a:t>Click to edit Master text styles</a:t>
             </a:r>
           </a:p>
@@ -3035,10 +3043,9 @@
           <a:lstStyle/>
           <a:p>
             <a:r>
-              <a:rPr kumimoji="0" lang="en-US" smtClean="0"/>
+              <a:rPr kumimoji="0" lang="en-US"/>
               <a:t>Click to edit Master title style</a:t>
             </a:r>
-            <a:endParaRPr kumimoji="0" lang="en-US"/>
           </a:p>
         </p:txBody>
       </p:sp>
@@ -3296,10 +3303,9 @@
           </a:lstStyle>
           <a:p>
             <a:r>
-              <a:rPr kumimoji="0" lang="en-US" smtClean="0"/>
+              <a:rPr kumimoji="0" lang="en-US"/>
               <a:t>Click to edit Master title style</a:t>
             </a:r>
-            <a:endParaRPr kumimoji="0" lang="en-US"/>
           </a:p>
         </p:txBody>
       </p:sp>
@@ -3352,7 +3358,7 @@
           <a:p>
             <a:pPr lvl="0" eaLnBrk="1" latinLnBrk="0" hangingPunct="1"/>
             <a:r>
-              <a:rPr kumimoji="0" lang="en-US" smtClean="0"/>
+              <a:rPr kumimoji="0" lang="en-US"/>
               <a:t>Click to edit Master text styles</a:t>
             </a:r>
           </a:p>
@@ -3618,35 +3624,35 @@
           <a:p>
             <a:pPr lvl="0" eaLnBrk="1" latinLnBrk="0" hangingPunct="1"/>
             <a:r>
-              <a:rPr lang="en-US" smtClean="0"/>
+              <a:rPr lang="en-US"/>
               <a:t>Click to edit Master text styles</a:t>
             </a:r>
           </a:p>
           <a:p>
             <a:pPr lvl="1" eaLnBrk="1" latinLnBrk="0" hangingPunct="1"/>
             <a:r>
-              <a:rPr lang="en-US" smtClean="0"/>
+              <a:rPr lang="en-US"/>
               <a:t>Second level</a:t>
             </a:r>
           </a:p>
           <a:p>
             <a:pPr lvl="2" eaLnBrk="1" latinLnBrk="0" hangingPunct="1"/>
             <a:r>
-              <a:rPr lang="en-US" smtClean="0"/>
+              <a:rPr lang="en-US"/>
               <a:t>Third level</a:t>
             </a:r>
           </a:p>
           <a:p>
             <a:pPr lvl="3" eaLnBrk="1" latinLnBrk="0" hangingPunct="1"/>
             <a:r>
-              <a:rPr lang="en-US" smtClean="0"/>
+              <a:rPr lang="en-US"/>
               <a:t>Fourth level</a:t>
             </a:r>
           </a:p>
           <a:p>
             <a:pPr lvl="4" eaLnBrk="1" latinLnBrk="0" hangingPunct="1"/>
             <a:r>
-              <a:rPr lang="en-US" smtClean="0"/>
+              <a:rPr lang="en-US"/>
               <a:t>Fifth level</a:t>
             </a:r>
             <a:endParaRPr kumimoji="0" lang="en-US"/>
@@ -3852,10 +3858,9 @@
           </a:lstStyle>
           <a:p>
             <a:r>
-              <a:rPr kumimoji="0" lang="en-US" smtClean="0"/>
+              <a:rPr kumimoji="0" lang="en-US"/>
               <a:t>Click to edit Master title style</a:t>
             </a:r>
-            <a:endParaRPr kumimoji="0" lang="en-US"/>
           </a:p>
         </p:txBody>
       </p:sp>
@@ -3911,7 +3916,7 @@
               <a:buNone/>
             </a:pPr>
             <a:r>
-              <a:rPr kumimoji="0" lang="en-US" smtClean="0"/>
+              <a:rPr kumimoji="0" lang="en-US"/>
               <a:t>Click icon to add picture</a:t>
             </a:r>
             <a:endParaRPr kumimoji="0" lang="en-US" dirty="0"/>
@@ -3966,7 +3971,7 @@
           <a:p>
             <a:pPr lvl="0" eaLnBrk="1" latinLnBrk="0" hangingPunct="1"/>
             <a:r>
-              <a:rPr kumimoji="0" lang="en-US" smtClean="0"/>
+              <a:rPr kumimoji="0" lang="en-US"/>
               <a:t>Click to edit Master text styles</a:t>
             </a:r>
           </a:p>
@@ -4328,10 +4333,9 @@
           <a:lstStyle/>
           <a:p>
             <a:r>
-              <a:rPr kumimoji="0" lang="en-US" smtClean="0"/>
+              <a:rPr kumimoji="0" lang="en-US"/>
               <a:t>Click to edit Master title style</a:t>
             </a:r>
-            <a:endParaRPr kumimoji="0" lang="en-US"/>
           </a:p>
         </p:txBody>
       </p:sp>
@@ -4362,38 +4366,37 @@
           <a:p>
             <a:pPr lvl="0" eaLnBrk="1" latinLnBrk="0" hangingPunct="1"/>
             <a:r>
-              <a:rPr kumimoji="0" lang="en-US" smtClean="0"/>
+              <a:rPr kumimoji="0" lang="en-US"/>
               <a:t>Click to edit Master text styles</a:t>
             </a:r>
           </a:p>
           <a:p>
             <a:pPr lvl="1" eaLnBrk="1" latinLnBrk="0" hangingPunct="1"/>
             <a:r>
-              <a:rPr kumimoji="0" lang="en-US" smtClean="0"/>
+              <a:rPr kumimoji="0" lang="en-US"/>
               <a:t>Second level</a:t>
             </a:r>
           </a:p>
           <a:p>
             <a:pPr lvl="2" eaLnBrk="1" latinLnBrk="0" hangingPunct="1"/>
             <a:r>
-              <a:rPr kumimoji="0" lang="en-US" smtClean="0"/>
+              <a:rPr kumimoji="0" lang="en-US"/>
               <a:t>Third level</a:t>
             </a:r>
           </a:p>
           <a:p>
             <a:pPr lvl="3" eaLnBrk="1" latinLnBrk="0" hangingPunct="1"/>
             <a:r>
-              <a:rPr kumimoji="0" lang="en-US" smtClean="0"/>
+              <a:rPr kumimoji="0" lang="en-US"/>
               <a:t>Fourth level</a:t>
             </a:r>
           </a:p>
           <a:p>
             <a:pPr lvl="4" eaLnBrk="1" latinLnBrk="0" hangingPunct="1"/>
             <a:r>
-              <a:rPr kumimoji="0" lang="en-US" smtClean="0"/>
+              <a:rPr kumimoji="0" lang="en-US"/>
               <a:t>Fifth level</a:t>
             </a:r>
-            <a:endParaRPr kumimoji="0" lang="en-US"/>
           </a:p>
         </p:txBody>
       </p:sp>
@@ -5060,18 +5063,13 @@
           <a:lstStyle/>
           <a:p>
             <a:r>
-              <a:rPr lang="en-US" sz="4400" dirty="0" smtClean="0">
+              <a:rPr lang="en-US" sz="4400" dirty="0">
                 <a:solidFill>
                   <a:schemeClr val="tx1"/>
                 </a:solidFill>
               </a:rPr>
               <a:t>Fault Injector</a:t>
             </a:r>
-            <a:endParaRPr lang="en-US" sz="4400" dirty="0">
-              <a:solidFill>
-                <a:schemeClr val="tx1"/>
-              </a:solidFill>
-            </a:endParaRPr>
           </a:p>
         </p:txBody>
       </p:sp>
@@ -5098,20 +5096,15 @@
           <a:lstStyle/>
           <a:p>
             <a:r>
-              <a:rPr lang="en-US" dirty="0" smtClean="0"/>
+              <a:rPr lang="en-US" dirty="0"/>
               <a:t>Nicholas Engle</a:t>
             </a:r>
           </a:p>
           <a:p>
             <a:r>
-              <a:rPr lang="en-US" dirty="0" smtClean="0"/>
-              <a:t>Original Developer</a:t>
-            </a:r>
-            <a:r>
               <a:rPr lang="en-US" dirty="0"/>
-              <a:t>: Jayson Boubin</a:t>
-            </a:r>
-            <a:endParaRPr lang="en-US" dirty="0"/>
+              <a:t>Original Developer: Jayson Boubin</a:t>
+            </a:r>
           </a:p>
         </p:txBody>
       </p:sp>
@@ -5161,10 +5154,9 @@
           <a:lstStyle/>
           <a:p>
             <a:r>
-              <a:rPr lang="en-US" dirty="0" smtClean="0"/>
+              <a:rPr lang="en-US" dirty="0"/>
               <a:t>History</a:t>
             </a:r>
-            <a:endParaRPr lang="en-US" dirty="0"/>
           </a:p>
         </p:txBody>
       </p:sp>
@@ -5184,18 +5176,21 @@
           <a:lstStyle/>
           <a:p>
             <a:r>
-              <a:rPr lang="en-US" dirty="0" smtClean="0"/>
+              <a:rPr lang="en-US" dirty="0"/>
               <a:t>Developed by Jayson Boubin</a:t>
             </a:r>
           </a:p>
           <a:p>
             <a:r>
-              <a:rPr lang="en-US" dirty="0" smtClean="0"/>
+              <a:rPr lang="en-US" dirty="0"/>
               <a:t>Introduced to project by Dr. Miller</a:t>
             </a:r>
           </a:p>
           <a:p>
-            <a:endParaRPr lang="en-US" dirty="0"/>
+            <a:r>
+              <a:rPr lang="en-US" dirty="0"/>
+              <a:t>Trigger Faults in SITL Simulations</a:t>
+            </a:r>
           </a:p>
         </p:txBody>
       </p:sp>
@@ -5245,10 +5240,9 @@
           <a:lstStyle/>
           <a:p>
             <a:r>
-              <a:rPr lang="en-US" dirty="0" smtClean="0"/>
+              <a:rPr lang="en-US" dirty="0"/>
               <a:t>Features</a:t>
             </a:r>
-            <a:endParaRPr lang="en-US" dirty="0"/>
           </a:p>
         </p:txBody>
       </p:sp>
@@ -5267,7 +5261,28 @@
           <a:bodyPr/>
           <a:lstStyle/>
           <a:p>
-            <a:endParaRPr lang="en-US" dirty="0"/>
+            <a:r>
+              <a:rPr lang="en-US" dirty="0"/>
+              <a:t>Failsafe Activation</a:t>
+            </a:r>
+          </a:p>
+          <a:p>
+            <a:r>
+              <a:rPr lang="en-US" dirty="0"/>
+              <a:t>Wind Injection</a:t>
+            </a:r>
+          </a:p>
+          <a:p>
+            <a:r>
+              <a:rPr lang="en-US" dirty="0"/>
+              <a:t>Mission/Waypoint Control</a:t>
+            </a:r>
+          </a:p>
+          <a:p>
+            <a:r>
+              <a:rPr lang="en-US" dirty="0"/>
+              <a:t>File-Based Scenario Execution</a:t>
+            </a:r>
           </a:p>
         </p:txBody>
       </p:sp>
@@ -5317,10 +5332,9 @@
           <a:lstStyle/>
           <a:p>
             <a:r>
-              <a:rPr lang="en-US" dirty="0" smtClean="0"/>
+              <a:rPr lang="en-US" dirty="0"/>
               <a:t>&lt;&lt;&lt;&lt;Include a diagram here&gt;&gt;&gt;&gt;</a:t>
             </a:r>
-            <a:endParaRPr lang="en-US" dirty="0"/>
           </a:p>
         </p:txBody>
       </p:sp>
@@ -5389,41 +5403,49 @@
           <a:lstStyle/>
           <a:p>
             <a:r>
-              <a:rPr lang="en-US" dirty="0" smtClean="0"/>
+              <a:rPr lang="en-US" dirty="0"/>
               <a:t>Future Improvements</a:t>
             </a:r>
+          </a:p>
+        </p:txBody>
+      </p:sp>
+      <p:sp>
+        <p:nvSpPr>
+          <p:cNvPr id="3" name="Content Placeholder 2"/>
+          <p:cNvSpPr>
+            <a:spLocks noGrp="1"/>
+          </p:cNvSpPr>
+          <p:nvPr>
+            <p:ph sz="quarter" idx="1"/>
+          </p:nvPr>
+        </p:nvSpPr>
+        <p:spPr/>
+        <p:txBody>
+          <a:bodyPr/>
+          <a:lstStyle/>
+          <a:p>
+            <a:r>
+              <a:rPr lang="en-US" dirty="0"/>
+              <a:t>Wind Gust Model</a:t>
+            </a:r>
+          </a:p>
+          <a:p>
+            <a:r>
+              <a:rPr lang="en-US" dirty="0"/>
+              <a:t>Integration with Actual Systems</a:t>
+            </a:r>
+          </a:p>
+          <a:p>
             <a:endParaRPr lang="en-US" dirty="0"/>
           </a:p>
-        </p:txBody>
-      </p:sp>
-      <p:sp>
-        <p:nvSpPr>
-          <p:cNvPr id="3" name="Content Placeholder 2"/>
-          <p:cNvSpPr>
-            <a:spLocks noGrp="1"/>
-          </p:cNvSpPr>
-          <p:nvPr>
-            <p:ph sz="quarter" idx="1"/>
-          </p:nvPr>
-        </p:nvSpPr>
-        <p:spPr/>
-        <p:txBody>
-          <a:bodyPr/>
-          <a:lstStyle/>
-          <a:p>
-            <a:r>
-              <a:rPr lang="en-US" dirty="0" smtClean="0"/>
-              <a:t>Wind Gust Model</a:t>
-            </a:r>
-          </a:p>
-          <a:p>
-            <a:r>
-              <a:rPr lang="en-US" dirty="0" smtClean="0"/>
+          <a:p>
+            <a:r>
+              <a:rPr lang="en-US" dirty="0"/>
               <a:t>Compatibility with other Sims</a:t>
             </a:r>
           </a:p>
           <a:p>
-            <a:endParaRPr lang="en-US" dirty="0" smtClean="0"/>
+            <a:endParaRPr lang="en-US" dirty="0"/>
           </a:p>
         </p:txBody>
       </p:sp>

--- a/FaultInjectorPresentation.pptx
+++ b/FaultInjectorPresentation.pptx
@@ -8,8 +8,7 @@
     <p:sldId id="256" r:id="rId2"/>
     <p:sldId id="257" r:id="rId3"/>
     <p:sldId id="258" r:id="rId4"/>
-    <p:sldId id="260" r:id="rId5"/>
-    <p:sldId id="259" r:id="rId6"/>
+    <p:sldId id="259" r:id="rId5"/>
   </p:sldIdLst>
   <p:sldSz cx="9144000" cy="6858000" type="screen4x3"/>
   <p:notesSz cx="6858000" cy="9144000"/>
@@ -110,7 +109,7 @@
   </p:defaultTextStyle>
   <p:extLst>
     <p:ext uri="{EFAFB233-063F-42B5-8137-9DF3F51BA10A}">
-      <p15:sldGuideLst xmlns:p15="http://schemas.microsoft.com/office/powerpoint/2012/main">
+      <p15:sldGuideLst xmlns:p15="http://schemas.microsoft.com/office/powerpoint/2012/main" xmlns="">
         <p15:guide id="1" orient="horz" pos="2160">
           <p15:clr>
             <a:srgbClr val="A4A3A4"/>
@@ -263,7 +262,7 @@
             <a:fld id="{1D8BD707-D9CF-40AE-B4C6-C98DA3205C09}" type="datetimeFigureOut">
               <a:rPr lang="en-US" smtClean="0"/>
               <a:pPr/>
-              <a:t>5/2/2018</a:t>
+              <a:t>5/3/2018</a:t>
             </a:fld>
             <a:endParaRPr lang="en-US"/>
           </a:p>
@@ -1133,7 +1132,7 @@
             <a:fld id="{1D8BD707-D9CF-40AE-B4C6-C98DA3205C09}" type="datetimeFigureOut">
               <a:rPr lang="en-US" smtClean="0"/>
               <a:pPr/>
-              <a:t>5/2/2018</a:t>
+              <a:t>5/3/2018</a:t>
             </a:fld>
             <a:endParaRPr lang="en-US"/>
           </a:p>
@@ -1309,7 +1308,7 @@
             <a:fld id="{1D8BD707-D9CF-40AE-B4C6-C98DA3205C09}" type="datetimeFigureOut">
               <a:rPr lang="en-US" smtClean="0"/>
               <a:pPr/>
-              <a:t>5/2/2018</a:t>
+              <a:t>5/3/2018</a:t>
             </a:fld>
             <a:endParaRPr lang="en-US"/>
           </a:p>
@@ -1480,7 +1479,7 @@
             <a:fld id="{1D8BD707-D9CF-40AE-B4C6-C98DA3205C09}" type="datetimeFigureOut">
               <a:rPr lang="en-US" smtClean="0"/>
               <a:pPr/>
-              <a:t>5/2/2018</a:t>
+              <a:t>5/3/2018</a:t>
             </a:fld>
             <a:endParaRPr lang="en-US"/>
           </a:p>
@@ -1691,7 +1690,7 @@
             <a:fld id="{1D8BD707-D9CF-40AE-B4C6-C98DA3205C09}" type="datetimeFigureOut">
               <a:rPr lang="en-US" smtClean="0"/>
               <a:pPr/>
-              <a:t>5/2/2018</a:t>
+              <a:t>5/3/2018</a:t>
             </a:fld>
             <a:endParaRPr lang="en-US"/>
           </a:p>
@@ -2506,7 +2505,7 @@
             <a:fld id="{1D8BD707-D9CF-40AE-B4C6-C98DA3205C09}" type="datetimeFigureOut">
               <a:rPr lang="en-US" smtClean="0"/>
               <a:pPr/>
-              <a:t>5/2/2018</a:t>
+              <a:t>5/3/2018</a:t>
             </a:fld>
             <a:endParaRPr lang="en-US"/>
           </a:p>
@@ -2743,7 +2742,7 @@
             <a:fld id="{1D8BD707-D9CF-40AE-B4C6-C98DA3205C09}" type="datetimeFigureOut">
               <a:rPr lang="en-US" smtClean="0"/>
               <a:pPr/>
-              <a:t>5/2/2018</a:t>
+              <a:t>5/3/2018</a:t>
             </a:fld>
             <a:endParaRPr lang="en-US"/>
           </a:p>
@@ -3067,7 +3066,7 @@
             <a:fld id="{1D8BD707-D9CF-40AE-B4C6-C98DA3205C09}" type="datetimeFigureOut">
               <a:rPr lang="en-US" smtClean="0"/>
               <a:pPr/>
-              <a:t>5/2/2018</a:t>
+              <a:t>5/3/2018</a:t>
             </a:fld>
             <a:endParaRPr lang="en-US"/>
           </a:p>
@@ -3159,7 +3158,7 @@
             <a:fld id="{1D8BD707-D9CF-40AE-B4C6-C98DA3205C09}" type="datetimeFigureOut">
               <a:rPr lang="en-US" smtClean="0"/>
               <a:pPr/>
-              <a:t>5/2/2018</a:t>
+              <a:t>5/3/2018</a:t>
             </a:fld>
             <a:endParaRPr lang="en-US"/>
           </a:p>
@@ -3677,7 +3676,7 @@
             <a:fld id="{1D8BD707-D9CF-40AE-B4C6-C98DA3205C09}" type="datetimeFigureOut">
               <a:rPr lang="en-US" smtClean="0"/>
               <a:pPr/>
-              <a:t>5/2/2018</a:t>
+              <a:t>5/3/2018</a:t>
             </a:fld>
             <a:endParaRPr lang="en-US"/>
           </a:p>
@@ -4189,7 +4188,7 @@
             <a:fld id="{1D8BD707-D9CF-40AE-B4C6-C98DA3205C09}" type="datetimeFigureOut">
               <a:rPr lang="en-US" smtClean="0"/>
               <a:pPr/>
-              <a:t>5/2/2018</a:t>
+              <a:t>5/3/2018</a:t>
             </a:fld>
             <a:endParaRPr lang="en-US"/>
           </a:p>
@@ -4434,7 +4433,7 @@
             <a:fld id="{1D8BD707-D9CF-40AE-B4C6-C98DA3205C09}" type="datetimeFigureOut">
               <a:rPr lang="en-US" smtClean="0"/>
               <a:pPr/>
-              <a:t>5/2/2018</a:t>
+              <a:t>5/3/2018</a:t>
             </a:fld>
             <a:endParaRPr lang="en-US"/>
           </a:p>
@@ -5118,6 +5117,13 @@
   <p:clrMapOvr>
     <a:masterClrMapping/>
   </p:clrMapOvr>
+  <p:timing>
+    <p:tnLst>
+      <p:par>
+        <p:cTn id="1" dur="indefinite" restart="never" nodeType="tmRoot"/>
+      </p:par>
+    </p:tnLst>
+  </p:timing>
 </p:sld>
 </file>
 
@@ -5177,23 +5183,87 @@
           <a:p>
             <a:r>
               <a:rPr lang="en-US" dirty="0"/>
-              <a:t>Developed by Jayson Boubin</a:t>
-            </a:r>
-          </a:p>
-          <a:p>
+              <a:t>Developed by Jayson </a:t>
+            </a:r>
+            <a:r>
+              <a:rPr lang="en-US" dirty="0" smtClean="0"/>
+              <a:t>Boubin</a:t>
+            </a:r>
+          </a:p>
+          <a:p>
+            <a:r>
+              <a:rPr lang="en-US" dirty="0" smtClean="0"/>
+              <a:t>Trigger </a:t>
+            </a:r>
+            <a:r>
+              <a:rPr lang="en-US" dirty="0" err="1" smtClean="0"/>
+              <a:t>Failsafes</a:t>
+            </a:r>
+            <a:r>
+              <a:rPr lang="en-US" dirty="0" smtClean="0"/>
+              <a:t> in </a:t>
+            </a:r>
             <a:r>
               <a:rPr lang="en-US" dirty="0"/>
-              <a:t>Introduced to project by Dr. Miller</a:t>
-            </a:r>
-          </a:p>
-          <a:p>
-            <a:r>
-              <a:rPr lang="en-US" dirty="0"/>
-              <a:t>Trigger Faults in SITL Simulations</a:t>
-            </a:r>
-          </a:p>
-        </p:txBody>
-      </p:sp>
+              <a:t>SITL Simulations</a:t>
+            </a:r>
+          </a:p>
+        </p:txBody>
+      </p:sp>
+      <p:pic>
+        <p:nvPicPr>
+          <p:cNvPr id="1026" name="Picture 2"/>
+          <p:cNvPicPr>
+            <a:picLocks noChangeAspect="1" noChangeArrowheads="1"/>
+          </p:cNvPicPr>
+          <p:nvPr/>
+        </p:nvPicPr>
+        <p:blipFill>
+          <a:blip r:embed="rId2">
+            <a:extLst>
+              <a:ext uri="{28A0092B-C50C-407E-A947-70E740481C1C}">
+                <a14:useLocalDpi xmlns:a14="http://schemas.microsoft.com/office/drawing/2010/main" val="0"/>
+              </a:ext>
+            </a:extLst>
+          </a:blip>
+          <a:srcRect/>
+          <a:stretch>
+            <a:fillRect/>
+          </a:stretch>
+        </p:blipFill>
+        <p:spPr bwMode="auto">
+          <a:xfrm>
+            <a:off x="2057400" y="2819400"/>
+            <a:ext cx="5791200" cy="3461612"/>
+          </a:xfrm>
+          <a:prstGeom prst="rect">
+            <a:avLst/>
+          </a:prstGeom>
+          <a:noFill/>
+          <a:ln>
+            <a:noFill/>
+          </a:ln>
+          <a:extLst>
+            <a:ext uri="{909E8E84-426E-40DD-AFC4-6F175D3DCCD1}">
+              <a14:hiddenFill xmlns:a14="http://schemas.microsoft.com/office/drawing/2010/main">
+                <a:solidFill>
+                  <a:schemeClr val="accent1"/>
+                </a:solidFill>
+              </a14:hiddenFill>
+            </a:ext>
+            <a:ext uri="{91240B29-F687-4F45-9708-019B960494DF}">
+              <a14:hiddenLine xmlns:a14="http://schemas.microsoft.com/office/drawing/2010/main" w="9525">
+                <a:solidFill>
+                  <a:schemeClr val="tx1"/>
+                </a:solidFill>
+                <a:miter lim="800000"/>
+                <a:headEnd/>
+                <a:tailEnd/>
+              </a14:hiddenLine>
+            </a:ext>
+          </a:extLst>
+        </p:spPr>
+      </p:pic>
     </p:spTree>
     <p:extLst>
       <p:ext uri="{BB962C8B-B14F-4D97-AF65-F5344CB8AC3E}">
@@ -5204,6 +5274,13 @@
   <p:clrMapOvr>
     <a:masterClrMapping/>
   </p:clrMapOvr>
+  <p:timing>
+    <p:tnLst>
+      <p:par>
+        <p:cTn id="1" dur="indefinite" restart="never" nodeType="tmRoot"/>
+      </p:par>
+    </p:tnLst>
+  </p:timing>
 </p:sld>
 </file>
 
@@ -5258,31 +5335,295 @@
         </p:nvSpPr>
         <p:spPr/>
         <p:txBody>
-          <a:bodyPr/>
-          <a:lstStyle/>
-          <a:p>
-            <a:r>
-              <a:rPr lang="en-US" dirty="0"/>
+          <a:bodyPr>
+            <a:normAutofit/>
+          </a:bodyPr>
+          <a:lstStyle/>
+          <a:p>
+            <a:r>
+              <a:rPr lang="en-US" sz="2000" dirty="0"/>
               <a:t>Failsafe Activation</a:t>
             </a:r>
           </a:p>
           <a:p>
             <a:r>
-              <a:rPr lang="en-US" dirty="0"/>
+              <a:rPr lang="en-US" sz="2000" dirty="0"/>
               <a:t>Wind Injection</a:t>
             </a:r>
           </a:p>
           <a:p>
             <a:r>
-              <a:rPr lang="en-US" dirty="0"/>
+              <a:rPr lang="en-US" sz="2000" dirty="0"/>
               <a:t>Mission/Waypoint Control</a:t>
             </a:r>
           </a:p>
           <a:p>
             <a:r>
-              <a:rPr lang="en-US" dirty="0"/>
+              <a:rPr lang="en-US" sz="2000" dirty="0"/>
               <a:t>File-Based Scenario Execution</a:t>
             </a:r>
+          </a:p>
+        </p:txBody>
+      </p:sp>
+      <p:pic>
+        <p:nvPicPr>
+          <p:cNvPr id="4" name="Picture 2"/>
+          <p:cNvPicPr>
+            <a:picLocks noChangeAspect="1" noChangeArrowheads="1"/>
+          </p:cNvPicPr>
+          <p:nvPr/>
+        </p:nvPicPr>
+        <p:blipFill>
+          <a:blip r:embed="rId2">
+            <a:extLst>
+              <a:ext uri="{28A0092B-C50C-407E-A947-70E740481C1C}">
+                <a14:useLocalDpi xmlns:a14="http://schemas.microsoft.com/office/drawing/2010/main" val="0"/>
+              </a:ext>
+            </a:extLst>
+          </a:blip>
+          <a:srcRect/>
+          <a:stretch>
+            <a:fillRect/>
+          </a:stretch>
+        </p:blipFill>
+        <p:spPr bwMode="auto">
+          <a:xfrm>
+            <a:off x="1651000" y="3124200"/>
+            <a:ext cx="6273800" cy="3517308"/>
+          </a:xfrm>
+          <a:prstGeom prst="rect">
+            <a:avLst/>
+          </a:prstGeom>
+          <a:noFill/>
+          <a:ln>
+            <a:noFill/>
+          </a:ln>
+          <a:extLst>
+            <a:ext uri="{909E8E84-426E-40DD-AFC4-6F175D3DCCD1}">
+              <a14:hiddenFill xmlns:a14="http://schemas.microsoft.com/office/drawing/2010/main">
+                <a:solidFill>
+                  <a:schemeClr val="accent1"/>
+                </a:solidFill>
+              </a14:hiddenFill>
+            </a:ext>
+            <a:ext uri="{91240B29-F687-4F45-9708-019B960494DF}">
+              <a14:hiddenLine xmlns:a14="http://schemas.microsoft.com/office/drawing/2010/main" w="9525">
+                <a:solidFill>
+                  <a:schemeClr val="tx1"/>
+                </a:solidFill>
+                <a:miter lim="800000"/>
+                <a:headEnd/>
+                <a:tailEnd/>
+              </a14:hiddenLine>
+            </a:ext>
+          </a:extLst>
+        </p:spPr>
+      </p:pic>
+      <p:sp>
+        <p:nvSpPr>
+          <p:cNvPr id="5" name="Rectangle 4"/>
+          <p:cNvSpPr/>
+          <p:nvPr/>
+        </p:nvSpPr>
+        <p:spPr>
+          <a:xfrm>
+            <a:off x="1600200" y="3276600"/>
+            <a:ext cx="3224212" cy="3429000"/>
+          </a:xfrm>
+          <a:prstGeom prst="rect">
+            <a:avLst/>
+          </a:prstGeom>
+          <a:noFill/>
+          <a:ln w="38100">
+            <a:solidFill>
+              <a:srgbClr val="FF0000">
+                <a:alpha val="47843"/>
+              </a:srgbClr>
+            </a:solidFill>
+          </a:ln>
+        </p:spPr>
+        <p:style>
+          <a:lnRef idx="2">
+            <a:schemeClr val="accent1">
+              <a:shade val="50000"/>
+            </a:schemeClr>
+          </a:lnRef>
+          <a:fillRef idx="1">
+            <a:schemeClr val="accent1"/>
+          </a:fillRef>
+          <a:effectRef idx="0">
+            <a:schemeClr val="accent1"/>
+          </a:effectRef>
+          <a:fontRef idx="minor">
+            <a:schemeClr val="lt1"/>
+          </a:fontRef>
+        </p:style>
+        <p:txBody>
+          <a:bodyPr rtlCol="0" anchor="ctr"/>
+          <a:lstStyle/>
+          <a:p>
+            <a:pPr algn="ctr"/>
+            <a:endParaRPr lang="en-US">
+              <a:solidFill>
+                <a:schemeClr val="bg1"/>
+              </a:solidFill>
+            </a:endParaRPr>
+          </a:p>
+        </p:txBody>
+      </p:sp>
+      <p:sp>
+        <p:nvSpPr>
+          <p:cNvPr id="6" name="Rectangle 5"/>
+          <p:cNvSpPr/>
+          <p:nvPr/>
+        </p:nvSpPr>
+        <p:spPr>
+          <a:xfrm>
+            <a:off x="1524000" y="3276600"/>
+            <a:ext cx="6477000" cy="381000"/>
+          </a:xfrm>
+          <a:prstGeom prst="rect">
+            <a:avLst/>
+          </a:prstGeom>
+          <a:noFill/>
+          <a:ln w="38100">
+            <a:solidFill>
+              <a:srgbClr val="FF0000">
+                <a:alpha val="47843"/>
+              </a:srgbClr>
+            </a:solidFill>
+          </a:ln>
+        </p:spPr>
+        <p:style>
+          <a:lnRef idx="2">
+            <a:schemeClr val="accent1">
+              <a:shade val="50000"/>
+            </a:schemeClr>
+          </a:lnRef>
+          <a:fillRef idx="1">
+            <a:schemeClr val="accent1"/>
+          </a:fillRef>
+          <a:effectRef idx="0">
+            <a:schemeClr val="accent1"/>
+          </a:effectRef>
+          <a:fontRef idx="minor">
+            <a:schemeClr val="lt1"/>
+          </a:fontRef>
+        </p:style>
+        <p:txBody>
+          <a:bodyPr rtlCol="0" anchor="ctr"/>
+          <a:lstStyle/>
+          <a:p>
+            <a:pPr algn="ctr"/>
+            <a:endParaRPr lang="en-US">
+              <a:solidFill>
+                <a:schemeClr val="bg1"/>
+              </a:solidFill>
+            </a:endParaRPr>
+          </a:p>
+        </p:txBody>
+      </p:sp>
+      <p:sp>
+        <p:nvSpPr>
+          <p:cNvPr id="8" name="Rectangle 7"/>
+          <p:cNvSpPr/>
+          <p:nvPr/>
+        </p:nvSpPr>
+        <p:spPr>
+          <a:xfrm>
+            <a:off x="4648200" y="3581400"/>
+            <a:ext cx="1447800" cy="3060108"/>
+          </a:xfrm>
+          <a:prstGeom prst="rect">
+            <a:avLst/>
+          </a:prstGeom>
+          <a:noFill/>
+          <a:ln w="38100">
+            <a:solidFill>
+              <a:srgbClr val="FF0000">
+                <a:alpha val="47843"/>
+              </a:srgbClr>
+            </a:solidFill>
+          </a:ln>
+        </p:spPr>
+        <p:style>
+          <a:lnRef idx="2">
+            <a:schemeClr val="accent1">
+              <a:shade val="50000"/>
+            </a:schemeClr>
+          </a:lnRef>
+          <a:fillRef idx="1">
+            <a:schemeClr val="accent1"/>
+          </a:fillRef>
+          <a:effectRef idx="0">
+            <a:schemeClr val="accent1"/>
+          </a:effectRef>
+          <a:fontRef idx="minor">
+            <a:schemeClr val="lt1"/>
+          </a:fontRef>
+        </p:style>
+        <p:txBody>
+          <a:bodyPr rtlCol="0" anchor="ctr"/>
+          <a:lstStyle/>
+          <a:p>
+            <a:pPr algn="ctr"/>
+            <a:endParaRPr lang="en-US">
+              <a:solidFill>
+                <a:schemeClr val="bg1"/>
+              </a:solidFill>
+            </a:endParaRPr>
+          </a:p>
+        </p:txBody>
+      </p:sp>
+      <p:sp>
+        <p:nvSpPr>
+          <p:cNvPr id="9" name="Rectangle 8"/>
+          <p:cNvSpPr/>
+          <p:nvPr/>
+        </p:nvSpPr>
+        <p:spPr>
+          <a:xfrm>
+            <a:off x="6019800" y="3581400"/>
+            <a:ext cx="1981200" cy="3088683"/>
+          </a:xfrm>
+          <a:prstGeom prst="rect">
+            <a:avLst/>
+          </a:prstGeom>
+          <a:noFill/>
+          <a:ln w="38100">
+            <a:solidFill>
+              <a:srgbClr val="FF0000">
+                <a:alpha val="47843"/>
+              </a:srgbClr>
+            </a:solidFill>
+          </a:ln>
+        </p:spPr>
+        <p:style>
+          <a:lnRef idx="2">
+            <a:schemeClr val="accent1">
+              <a:shade val="50000"/>
+            </a:schemeClr>
+          </a:lnRef>
+          <a:fillRef idx="1">
+            <a:schemeClr val="accent1"/>
+          </a:fillRef>
+          <a:effectRef idx="0">
+            <a:schemeClr val="accent1"/>
+          </a:effectRef>
+          <a:fontRef idx="minor">
+            <a:schemeClr val="lt1"/>
+          </a:fontRef>
+        </p:style>
+        <p:txBody>
+          <a:bodyPr rtlCol="0" anchor="ctr"/>
+          <a:lstStyle/>
+          <a:p>
+            <a:pPr algn="ctr"/>
+            <a:endParaRPr lang="en-US">
+              <a:solidFill>
+                <a:schemeClr val="bg1"/>
+              </a:solidFill>
+            </a:endParaRPr>
           </a:p>
         </p:txBody>
       </p:sp>
@@ -5296,6 +5637,306 @@
   <p:clrMapOvr>
     <a:masterClrMapping/>
   </p:clrMapOvr>
+  <p:timing>
+    <p:tnLst>
+      <p:par>
+        <p:cTn id="1" dur="indefinite" restart="never" nodeType="tmRoot">
+          <p:childTnLst>
+            <p:seq concurrent="1" nextAc="seek">
+              <p:cTn id="2" dur="indefinite" nodeType="mainSeq">
+                <p:childTnLst>
+                  <p:par>
+                    <p:cTn id="3" fill="hold">
+                      <p:stCondLst>
+                        <p:cond delay="indefinite"/>
+                      </p:stCondLst>
+                      <p:childTnLst>
+                        <p:par>
+                          <p:cTn id="4" fill="hold">
+                            <p:stCondLst>
+                              <p:cond delay="0"/>
+                            </p:stCondLst>
+                            <p:childTnLst>
+                              <p:par>
+                                <p:cTn id="5" presetID="1" presetClass="entr" presetSubtype="0" fill="hold" grpId="0" nodeType="clickEffect">
+                                  <p:stCondLst>
+                                    <p:cond delay="0"/>
+                                  </p:stCondLst>
+                                  <p:childTnLst>
+                                    <p:set>
+                                      <p:cBhvr>
+                                        <p:cTn id="6" dur="1" fill="hold">
+                                          <p:stCondLst>
+                                            <p:cond delay="0"/>
+                                          </p:stCondLst>
+                                        </p:cTn>
+                                        <p:tgtEl>
+                                          <p:spTgt spid="6"/>
+                                        </p:tgtEl>
+                                        <p:attrNameLst>
+                                          <p:attrName>style.visibility</p:attrName>
+                                        </p:attrNameLst>
+                                      </p:cBhvr>
+                                      <p:to>
+                                        <p:strVal val="visible"/>
+                                      </p:to>
+                                    </p:set>
+                                  </p:childTnLst>
+                                </p:cTn>
+                              </p:par>
+                            </p:childTnLst>
+                          </p:cTn>
+                        </p:par>
+                      </p:childTnLst>
+                    </p:cTn>
+                  </p:par>
+                  <p:par>
+                    <p:cTn id="7" fill="hold">
+                      <p:stCondLst>
+                        <p:cond delay="indefinite"/>
+                      </p:stCondLst>
+                      <p:childTnLst>
+                        <p:par>
+                          <p:cTn id="8" fill="hold">
+                            <p:stCondLst>
+                              <p:cond delay="0"/>
+                            </p:stCondLst>
+                            <p:childTnLst>
+                              <p:par>
+                                <p:cTn id="9" presetID="1" presetClass="exit" presetSubtype="0" fill="hold" grpId="1" nodeType="clickEffect">
+                                  <p:stCondLst>
+                                    <p:cond delay="0"/>
+                                  </p:stCondLst>
+                                  <p:childTnLst>
+                                    <p:set>
+                                      <p:cBhvr>
+                                        <p:cTn id="10" dur="1" fill="hold">
+                                          <p:stCondLst>
+                                            <p:cond delay="0"/>
+                                          </p:stCondLst>
+                                        </p:cTn>
+                                        <p:tgtEl>
+                                          <p:spTgt spid="6"/>
+                                        </p:tgtEl>
+                                        <p:attrNameLst>
+                                          <p:attrName>style.visibility</p:attrName>
+                                        </p:attrNameLst>
+                                      </p:cBhvr>
+                                      <p:to>
+                                        <p:strVal val="hidden"/>
+                                      </p:to>
+                                    </p:set>
+                                  </p:childTnLst>
+                                </p:cTn>
+                              </p:par>
+                              <p:par>
+                                <p:cTn id="11" presetID="1" presetClass="entr" presetSubtype="0" fill="hold" grpId="0" nodeType="withEffect">
+                                  <p:stCondLst>
+                                    <p:cond delay="0"/>
+                                  </p:stCondLst>
+                                  <p:childTnLst>
+                                    <p:set>
+                                      <p:cBhvr>
+                                        <p:cTn id="12" dur="1" fill="hold">
+                                          <p:stCondLst>
+                                            <p:cond delay="0"/>
+                                          </p:stCondLst>
+                                        </p:cTn>
+                                        <p:tgtEl>
+                                          <p:spTgt spid="5"/>
+                                        </p:tgtEl>
+                                        <p:attrNameLst>
+                                          <p:attrName>style.visibility</p:attrName>
+                                        </p:attrNameLst>
+                                      </p:cBhvr>
+                                      <p:to>
+                                        <p:strVal val="visible"/>
+                                      </p:to>
+                                    </p:set>
+                                  </p:childTnLst>
+                                </p:cTn>
+                              </p:par>
+                            </p:childTnLst>
+                          </p:cTn>
+                        </p:par>
+                      </p:childTnLst>
+                    </p:cTn>
+                  </p:par>
+                  <p:par>
+                    <p:cTn id="13" fill="hold">
+                      <p:stCondLst>
+                        <p:cond delay="indefinite"/>
+                      </p:stCondLst>
+                      <p:childTnLst>
+                        <p:par>
+                          <p:cTn id="14" fill="hold">
+                            <p:stCondLst>
+                              <p:cond delay="0"/>
+                            </p:stCondLst>
+                            <p:childTnLst>
+                              <p:par>
+                                <p:cTn id="15" presetID="1" presetClass="exit" presetSubtype="0" fill="hold" grpId="1" nodeType="clickEffect">
+                                  <p:stCondLst>
+                                    <p:cond delay="0"/>
+                                  </p:stCondLst>
+                                  <p:childTnLst>
+                                    <p:set>
+                                      <p:cBhvr>
+                                        <p:cTn id="16" dur="1" fill="hold">
+                                          <p:stCondLst>
+                                            <p:cond delay="0"/>
+                                          </p:stCondLst>
+                                        </p:cTn>
+                                        <p:tgtEl>
+                                          <p:spTgt spid="5"/>
+                                        </p:tgtEl>
+                                        <p:attrNameLst>
+                                          <p:attrName>style.visibility</p:attrName>
+                                        </p:attrNameLst>
+                                      </p:cBhvr>
+                                      <p:to>
+                                        <p:strVal val="hidden"/>
+                                      </p:to>
+                                    </p:set>
+                                  </p:childTnLst>
+                                </p:cTn>
+                              </p:par>
+                              <p:par>
+                                <p:cTn id="17" presetID="1" presetClass="entr" presetSubtype="0" fill="hold" grpId="0" nodeType="withEffect">
+                                  <p:stCondLst>
+                                    <p:cond delay="0"/>
+                                  </p:stCondLst>
+                                  <p:childTnLst>
+                                    <p:set>
+                                      <p:cBhvr>
+                                        <p:cTn id="18" dur="1" fill="hold">
+                                          <p:stCondLst>
+                                            <p:cond delay="0"/>
+                                          </p:stCondLst>
+                                        </p:cTn>
+                                        <p:tgtEl>
+                                          <p:spTgt spid="8"/>
+                                        </p:tgtEl>
+                                        <p:attrNameLst>
+                                          <p:attrName>style.visibility</p:attrName>
+                                        </p:attrNameLst>
+                                      </p:cBhvr>
+                                      <p:to>
+                                        <p:strVal val="visible"/>
+                                      </p:to>
+                                    </p:set>
+                                  </p:childTnLst>
+                                </p:cTn>
+                              </p:par>
+                            </p:childTnLst>
+                          </p:cTn>
+                        </p:par>
+                      </p:childTnLst>
+                    </p:cTn>
+                  </p:par>
+                  <p:par>
+                    <p:cTn id="19" fill="hold">
+                      <p:stCondLst>
+                        <p:cond delay="indefinite"/>
+                      </p:stCondLst>
+                      <p:childTnLst>
+                        <p:par>
+                          <p:cTn id="20" fill="hold">
+                            <p:stCondLst>
+                              <p:cond delay="0"/>
+                            </p:stCondLst>
+                            <p:childTnLst>
+                              <p:par>
+                                <p:cTn id="21" presetID="1" presetClass="exit" presetSubtype="0" fill="hold" grpId="1" nodeType="clickEffect">
+                                  <p:stCondLst>
+                                    <p:cond delay="0"/>
+                                  </p:stCondLst>
+                                  <p:childTnLst>
+                                    <p:set>
+                                      <p:cBhvr>
+                                        <p:cTn id="22" dur="1" fill="hold">
+                                          <p:stCondLst>
+                                            <p:cond delay="0"/>
+                                          </p:stCondLst>
+                                        </p:cTn>
+                                        <p:tgtEl>
+                                          <p:spTgt spid="8"/>
+                                        </p:tgtEl>
+                                        <p:attrNameLst>
+                                          <p:attrName>style.visibility</p:attrName>
+                                        </p:attrNameLst>
+                                      </p:cBhvr>
+                                      <p:to>
+                                        <p:strVal val="hidden"/>
+                                      </p:to>
+                                    </p:set>
+                                  </p:childTnLst>
+                                </p:cTn>
+                              </p:par>
+                              <p:par>
+                                <p:cTn id="23" presetID="1" presetClass="entr" presetSubtype="0" fill="hold" grpId="0" nodeType="withEffect">
+                                  <p:stCondLst>
+                                    <p:cond delay="0"/>
+                                  </p:stCondLst>
+                                  <p:childTnLst>
+                                    <p:set>
+                                      <p:cBhvr>
+                                        <p:cTn id="24" dur="1" fill="hold">
+                                          <p:stCondLst>
+                                            <p:cond delay="0"/>
+                                          </p:stCondLst>
+                                        </p:cTn>
+                                        <p:tgtEl>
+                                          <p:spTgt spid="9"/>
+                                        </p:tgtEl>
+                                        <p:attrNameLst>
+                                          <p:attrName>style.visibility</p:attrName>
+                                        </p:attrNameLst>
+                                      </p:cBhvr>
+                                      <p:to>
+                                        <p:strVal val="visible"/>
+                                      </p:to>
+                                    </p:set>
+                                  </p:childTnLst>
+                                </p:cTn>
+                              </p:par>
+                            </p:childTnLst>
+                          </p:cTn>
+                        </p:par>
+                      </p:childTnLst>
+                    </p:cTn>
+                  </p:par>
+                </p:childTnLst>
+              </p:cTn>
+              <p:prevCondLst>
+                <p:cond evt="onPrev" delay="0">
+                  <p:tgtEl>
+                    <p:sldTgt/>
+                  </p:tgtEl>
+                </p:cond>
+              </p:prevCondLst>
+              <p:nextCondLst>
+                <p:cond evt="onNext" delay="0">
+                  <p:tgtEl>
+                    <p:sldTgt/>
+                  </p:tgtEl>
+                </p:cond>
+              </p:nextCondLst>
+            </p:seq>
+          </p:childTnLst>
+        </p:cTn>
+      </p:par>
+    </p:tnLst>
+    <p:bldLst>
+      <p:bldP spid="5" grpId="0" animBg="1"/>
+      <p:bldP spid="5" grpId="1" animBg="1"/>
+      <p:bldP spid="6" grpId="0" animBg="1"/>
+      <p:bldP spid="6" grpId="1" animBg="1"/>
+      <p:bldP spid="8" grpId="0" animBg="1"/>
+      <p:bldP spid="8" grpId="1" animBg="1"/>
+      <p:bldP spid="9" grpId="0" animBg="1"/>
+    </p:bldLst>
+  </p:timing>
 </p:sld>
 </file>
 
@@ -5333,7 +5974,7 @@
           <a:p>
             <a:r>
               <a:rPr lang="en-US" dirty="0"/>
-              <a:t>&lt;&lt;&lt;&lt;Include a diagram here&gt;&gt;&gt;&gt;</a:t>
+              <a:t>Future Improvements</a:t>
             </a:r>
           </a:p>
         </p:txBody>
@@ -5353,89 +5994,31 @@
           <a:bodyPr/>
           <a:lstStyle/>
           <a:p>
+            <a:r>
+              <a:rPr lang="en-US" dirty="0"/>
+              <a:t>Wind Gust </a:t>
+            </a:r>
+            <a:r>
+              <a:rPr lang="en-US" dirty="0" smtClean="0"/>
+              <a:t>Model</a:t>
+            </a:r>
+          </a:p>
+          <a:p>
+            <a:r>
+              <a:rPr lang="en-US" dirty="0" smtClean="0"/>
+              <a:t>Other Injections / Failsafe Triggers</a:t>
+            </a:r>
             <a:endParaRPr lang="en-US" dirty="0"/>
           </a:p>
-        </p:txBody>
-      </p:sp>
-    </p:spTree>
-    <p:extLst>
-      <p:ext uri="{BB962C8B-B14F-4D97-AF65-F5344CB8AC3E}">
-        <p14:creationId xmlns:p14="http://schemas.microsoft.com/office/powerpoint/2010/main" val="1796697437"/>
-      </p:ext>
-    </p:extLst>
-  </p:cSld>
-  <p:clrMapOvr>
-    <a:masterClrMapping/>
-  </p:clrMapOvr>
-</p:sld>
-</file>
-
-<file path=ppt/slides/slide5.xml><?xml version="1.0" encoding="utf-8"?>
-<p:sld xmlns:a="http://schemas.openxmlformats.org/drawingml/2006/main" xmlns:r="http://schemas.openxmlformats.org/officeDocument/2006/relationships" xmlns:p="http://schemas.openxmlformats.org/presentationml/2006/main">
-  <p:cSld>
-    <p:spTree>
-      <p:nvGrpSpPr>
-        <p:cNvPr id="1" name=""/>
-        <p:cNvGrpSpPr/>
-        <p:nvPr/>
-      </p:nvGrpSpPr>
-      <p:grpSpPr>
-        <a:xfrm>
-          <a:off x="0" y="0"/>
-          <a:ext cx="0" cy="0"/>
-          <a:chOff x="0" y="0"/>
-          <a:chExt cx="0" cy="0"/>
-        </a:xfrm>
-      </p:grpSpPr>
-      <p:sp>
-        <p:nvSpPr>
-          <p:cNvPr id="2" name="Title 1"/>
-          <p:cNvSpPr>
-            <a:spLocks noGrp="1"/>
-          </p:cNvSpPr>
-          <p:nvPr>
-            <p:ph type="title"/>
-          </p:nvPr>
-        </p:nvSpPr>
-        <p:spPr/>
-        <p:txBody>
-          <a:bodyPr/>
-          <a:lstStyle/>
           <a:p>
             <a:r>
               <a:rPr lang="en-US" dirty="0"/>
-              <a:t>Future Improvements</a:t>
-            </a:r>
-          </a:p>
-        </p:txBody>
-      </p:sp>
-      <p:sp>
-        <p:nvSpPr>
-          <p:cNvPr id="3" name="Content Placeholder 2"/>
-          <p:cNvSpPr>
-            <a:spLocks noGrp="1"/>
-          </p:cNvSpPr>
-          <p:nvPr>
-            <p:ph sz="quarter" idx="1"/>
-          </p:nvPr>
-        </p:nvSpPr>
-        <p:spPr/>
-        <p:txBody>
-          <a:bodyPr/>
-          <a:lstStyle/>
-          <a:p>
-            <a:r>
-              <a:rPr lang="en-US" dirty="0"/>
-              <a:t>Wind Gust Model</a:t>
-            </a:r>
-          </a:p>
-          <a:p>
-            <a:r>
-              <a:rPr lang="en-US" dirty="0"/>
-              <a:t>Integration with Actual Systems</a:t>
-            </a:r>
-          </a:p>
-          <a:p>
+              <a:t>Integration with </a:t>
+            </a:r>
+            <a:r>
+              <a:rPr lang="en-US" dirty="0" smtClean="0"/>
+              <a:t>Autonomy Framework</a:t>
+            </a:r>
             <a:endParaRPr lang="en-US" dirty="0"/>
           </a:p>
           <a:p>
@@ -5459,6 +6042,13 @@
   <p:clrMapOvr>
     <a:masterClrMapping/>
   </p:clrMapOvr>
+  <p:timing>
+    <p:tnLst>
+      <p:par>
+        <p:cTn id="1" dur="indefinite" restart="never" nodeType="tmRoot"/>
+      </p:par>
+    </p:tnLst>
+  </p:timing>
 </p:sld>
 </file>
 
